--- a/alumnos.pptx
+++ b/alumnos.pptx
@@ -6,6 +6,7 @@
   </p:sldMasterIdLst>
   <p:sldIdLst>
     <p:sldId id="256" r:id="rId2"/>
+    <p:sldId id="257" r:id="rId3"/>
   </p:sldIdLst>
   <p:sldSz cx="12192000" cy="6858000"/>
   <p:notesSz cx="6858000" cy="9144000"/>
@@ -104,6 +105,11 @@
       </a:defRPr>
     </a:lvl9pPr>
   </p:defaultTextStyle>
+  <p:extLst>
+    <p:ext uri="{EFAFB233-063F-42B5-8137-9DF3F51BA10A}">
+      <p15:sldGuideLst xmlns:p15="http://schemas.microsoft.com/office/powerpoint/2012/main"/>
+    </p:ext>
+  </p:extLst>
 </p:presentation>
 </file>
 
@@ -149,7 +155,7 @@
           </a:lstStyle>
           <a:p>
             <a:r>
-              <a:rPr lang="es-ES" smtClean="0"/>
+              <a:rPr lang="es-ES"/>
               <a:t>Haga clic para modificar el estilo de título del patrón</a:t>
             </a:r>
             <a:endParaRPr lang="en-US" dirty="0"/>
@@ -269,7 +275,7 @@
           </a:lstStyle>
           <a:p>
             <a:r>
-              <a:rPr lang="es-ES" smtClean="0"/>
+              <a:rPr lang="es-ES"/>
               <a:t>Haga clic para editar el estilo de subtítulo del patrón</a:t>
             </a:r>
             <a:endParaRPr lang="en-US" dirty="0"/>
@@ -393,7 +399,7 @@
           </a:lstStyle>
           <a:p>
             <a:r>
-              <a:rPr lang="es-ES" smtClean="0"/>
+              <a:rPr lang="es-ES"/>
               <a:t>Haga clic para modificar el estilo de título del patrón</a:t>
             </a:r>
             <a:endParaRPr lang="en-US" dirty="0"/>
@@ -472,7 +478,7 @@
           </a:lstStyle>
           <a:p>
             <a:r>
-              <a:rPr lang="es-ES" smtClean="0"/>
+              <a:rPr lang="es-ES"/>
               <a:t>Haga clic en el icono para agregar una imagen</a:t>
             </a:r>
             <a:endParaRPr lang="en-US" dirty="0"/>
@@ -540,7 +546,7 @@
           <a:p>
             <a:pPr lvl="0"/>
             <a:r>
-              <a:rPr lang="es-ES" smtClean="0"/>
+              <a:rPr lang="es-ES"/>
               <a:t>Editar el estilo de texto del patrón</a:t>
             </a:r>
           </a:p>
@@ -661,7 +667,7 @@
           </a:lstStyle>
           <a:p>
             <a:r>
-              <a:rPr lang="es-ES" smtClean="0"/>
+              <a:rPr lang="es-ES"/>
               <a:t>Haga clic para modificar el estilo de título del patrón</a:t>
             </a:r>
             <a:endParaRPr lang="en-US" dirty="0"/>
@@ -729,7 +735,7 @@
           <a:p>
             <a:pPr lvl="0"/>
             <a:r>
-              <a:rPr lang="es-ES" smtClean="0"/>
+              <a:rPr lang="es-ES"/>
               <a:t>Editar el estilo de texto del patrón</a:t>
             </a:r>
           </a:p>
@@ -850,7 +856,7 @@
           </a:lstStyle>
           <a:p>
             <a:r>
-              <a:rPr lang="es-ES" smtClean="0"/>
+              <a:rPr lang="es-ES"/>
               <a:t>Haga clic para modificar el estilo de título del patrón</a:t>
             </a:r>
             <a:endParaRPr lang="en-US" dirty="0"/>
@@ -930,7 +936,7 @@
               <a:buNone/>
             </a:pPr>
             <a:r>
-              <a:rPr lang="es-ES" smtClean="0"/>
+              <a:rPr lang="es-ES"/>
               <a:t>Editar el estilo de texto del patrón</a:t>
             </a:r>
           </a:p>
@@ -997,7 +1003,7 @@
           <a:p>
             <a:pPr lvl="0"/>
             <a:r>
-              <a:rPr lang="es-ES" smtClean="0"/>
+              <a:rPr lang="es-ES"/>
               <a:t>Editar el estilo de texto del patrón</a:t>
             </a:r>
           </a:p>
@@ -1212,7 +1218,7 @@
           </a:lstStyle>
           <a:p>
             <a:r>
-              <a:rPr lang="es-ES" smtClean="0"/>
+              <a:rPr lang="es-ES"/>
               <a:t>Haga clic para modificar el estilo de título del patrón</a:t>
             </a:r>
             <a:endParaRPr lang="en-US" dirty="0"/>
@@ -1333,7 +1339,7 @@
           <a:p>
             <a:pPr lvl="0"/>
             <a:r>
-              <a:rPr lang="es-ES" smtClean="0"/>
+              <a:rPr lang="es-ES"/>
               <a:t>Editar el estilo de texto del patrón</a:t>
             </a:r>
           </a:p>
@@ -1449,7 +1455,7 @@
           </a:lstStyle>
           <a:p>
             <a:r>
-              <a:rPr lang="es-ES" smtClean="0"/>
+              <a:rPr lang="es-ES"/>
               <a:t>Haga clic para modificar el estilo de título del patrón</a:t>
             </a:r>
             <a:endParaRPr lang="en-US" dirty="0"/>
@@ -1524,7 +1530,7 @@
           <a:p>
             <a:pPr lvl="0"/>
             <a:r>
-              <a:rPr lang="es-ES" smtClean="0"/>
+              <a:rPr lang="es-ES"/>
               <a:t>Editar el estilo de texto del patrón</a:t>
             </a:r>
           </a:p>
@@ -1591,7 +1597,7 @@
           <a:p>
             <a:pPr lvl="0"/>
             <a:r>
-              <a:rPr lang="es-ES" smtClean="0"/>
+              <a:rPr lang="es-ES"/>
               <a:t>Editar el estilo de texto del patrón</a:t>
             </a:r>
           </a:p>
@@ -1665,7 +1671,7 @@
           <a:p>
             <a:pPr lvl="0"/>
             <a:r>
-              <a:rPr lang="es-ES" smtClean="0"/>
+              <a:rPr lang="es-ES"/>
               <a:t>Editar el estilo de texto del patrón</a:t>
             </a:r>
           </a:p>
@@ -1732,7 +1738,7 @@
           <a:p>
             <a:pPr lvl="0"/>
             <a:r>
-              <a:rPr lang="es-ES" smtClean="0"/>
+              <a:rPr lang="es-ES"/>
               <a:t>Editar el estilo de texto del patrón</a:t>
             </a:r>
           </a:p>
@@ -1806,7 +1812,7 @@
           <a:p>
             <a:pPr lvl="0"/>
             <a:r>
-              <a:rPr lang="es-ES" smtClean="0"/>
+              <a:rPr lang="es-ES"/>
               <a:t>Editar el estilo de texto del patrón</a:t>
             </a:r>
           </a:p>
@@ -1873,7 +1879,7 @@
           <a:p>
             <a:pPr lvl="0"/>
             <a:r>
-              <a:rPr lang="es-ES" smtClean="0"/>
+              <a:rPr lang="es-ES"/>
               <a:t>Editar el estilo de texto del patrón</a:t>
             </a:r>
           </a:p>
@@ -2067,7 +2073,7 @@
           </a:lstStyle>
           <a:p>
             <a:r>
-              <a:rPr lang="es-ES" smtClean="0"/>
+              <a:rPr lang="es-ES"/>
               <a:t>Haga clic para modificar el estilo de título del patrón</a:t>
             </a:r>
             <a:endParaRPr lang="en-US" dirty="0"/>
@@ -2142,7 +2148,7 @@
           <a:p>
             <a:pPr lvl="0"/>
             <a:r>
-              <a:rPr lang="es-ES" smtClean="0"/>
+              <a:rPr lang="es-ES"/>
               <a:t>Editar el estilo de texto del patrón</a:t>
             </a:r>
           </a:p>
@@ -2220,7 +2226,7 @@
           </a:lstStyle>
           <a:p>
             <a:r>
-              <a:rPr lang="es-ES" smtClean="0"/>
+              <a:rPr lang="es-ES"/>
               <a:t>Haga clic en el icono para agregar una imagen</a:t>
             </a:r>
             <a:endParaRPr lang="en-US" dirty="0"/>
@@ -2288,7 +2294,7 @@
           <a:p>
             <a:pPr lvl="0"/>
             <a:r>
-              <a:rPr lang="es-ES" smtClean="0"/>
+              <a:rPr lang="es-ES"/>
               <a:t>Editar el estilo de texto del patrón</a:t>
             </a:r>
           </a:p>
@@ -2362,7 +2368,7 @@
           <a:p>
             <a:pPr lvl="0"/>
             <a:r>
-              <a:rPr lang="es-ES" smtClean="0"/>
+              <a:rPr lang="es-ES"/>
               <a:t>Editar el estilo de texto del patrón</a:t>
             </a:r>
           </a:p>
@@ -2440,7 +2446,7 @@
           </a:lstStyle>
           <a:p>
             <a:r>
-              <a:rPr lang="es-ES" smtClean="0"/>
+              <a:rPr lang="es-ES"/>
               <a:t>Haga clic en el icono para agregar una imagen</a:t>
             </a:r>
             <a:endParaRPr lang="en-US" dirty="0"/>
@@ -2508,7 +2514,7 @@
           <a:p>
             <a:pPr lvl="0"/>
             <a:r>
-              <a:rPr lang="es-ES" smtClean="0"/>
+              <a:rPr lang="es-ES"/>
               <a:t>Editar el estilo de texto del patrón</a:t>
             </a:r>
           </a:p>
@@ -2582,7 +2588,7 @@
           <a:p>
             <a:pPr lvl="0"/>
             <a:r>
-              <a:rPr lang="es-ES" smtClean="0"/>
+              <a:rPr lang="es-ES"/>
               <a:t>Editar el estilo de texto del patrón</a:t>
             </a:r>
           </a:p>
@@ -2660,7 +2666,7 @@
           </a:lstStyle>
           <a:p>
             <a:r>
-              <a:rPr lang="es-ES" smtClean="0"/>
+              <a:rPr lang="es-ES"/>
               <a:t>Haga clic en el icono para agregar una imagen</a:t>
             </a:r>
             <a:endParaRPr lang="en-US" dirty="0"/>
@@ -2728,7 +2734,7 @@
           <a:p>
             <a:pPr lvl="0"/>
             <a:r>
-              <a:rPr lang="es-ES" smtClean="0"/>
+              <a:rPr lang="es-ES"/>
               <a:t>Editar el estilo de texto del patrón</a:t>
             </a:r>
           </a:p>
@@ -2918,7 +2924,7 @@
           <a:lstStyle/>
           <a:p>
             <a:r>
-              <a:rPr lang="es-ES" smtClean="0"/>
+              <a:rPr lang="es-ES"/>
               <a:t>Haga clic para modificar el estilo de título del patrón</a:t>
             </a:r>
             <a:endParaRPr lang="en-US" dirty="0"/>
@@ -2942,35 +2948,35 @@
           <a:p>
             <a:pPr lvl="0"/>
             <a:r>
-              <a:rPr lang="es-ES" smtClean="0"/>
+              <a:rPr lang="es-ES"/>
               <a:t>Editar el estilo de texto del patrón</a:t>
             </a:r>
           </a:p>
           <a:p>
             <a:pPr lvl="1"/>
             <a:r>
-              <a:rPr lang="es-ES" smtClean="0"/>
+              <a:rPr lang="es-ES"/>
               <a:t>Segundo nivel</a:t>
             </a:r>
           </a:p>
           <a:p>
             <a:pPr lvl="2"/>
             <a:r>
-              <a:rPr lang="es-ES" smtClean="0"/>
+              <a:rPr lang="es-ES"/>
               <a:t>Tercer nivel</a:t>
             </a:r>
           </a:p>
           <a:p>
             <a:pPr lvl="3"/>
             <a:r>
-              <a:rPr lang="es-ES" smtClean="0"/>
+              <a:rPr lang="es-ES"/>
               <a:t>Cuarto nivel</a:t>
             </a:r>
           </a:p>
           <a:p>
             <a:pPr lvl="4"/>
             <a:r>
-              <a:rPr lang="es-ES" smtClean="0"/>
+              <a:rPr lang="es-ES"/>
               <a:t>Quinto nivel</a:t>
             </a:r>
             <a:endParaRPr lang="en-US" dirty="0"/>
@@ -3088,7 +3094,7 @@
           <a:lstStyle/>
           <a:p>
             <a:r>
-              <a:rPr lang="es-ES" smtClean="0"/>
+              <a:rPr lang="es-ES"/>
               <a:t>Haga clic para modificar el estilo de título del patrón</a:t>
             </a:r>
             <a:endParaRPr lang="en-US" dirty="0"/>
@@ -3117,35 +3123,35 @@
           <a:p>
             <a:pPr lvl="0"/>
             <a:r>
-              <a:rPr lang="es-ES" smtClean="0"/>
+              <a:rPr lang="es-ES"/>
               <a:t>Editar el estilo de texto del patrón</a:t>
             </a:r>
           </a:p>
           <a:p>
             <a:pPr lvl="1"/>
             <a:r>
-              <a:rPr lang="es-ES" smtClean="0"/>
+              <a:rPr lang="es-ES"/>
               <a:t>Segundo nivel</a:t>
             </a:r>
           </a:p>
           <a:p>
             <a:pPr lvl="2"/>
             <a:r>
-              <a:rPr lang="es-ES" smtClean="0"/>
+              <a:rPr lang="es-ES"/>
               <a:t>Tercer nivel</a:t>
             </a:r>
           </a:p>
           <a:p>
             <a:pPr lvl="3"/>
             <a:r>
-              <a:rPr lang="es-ES" smtClean="0"/>
+              <a:rPr lang="es-ES"/>
               <a:t>Cuarto nivel</a:t>
             </a:r>
           </a:p>
           <a:p>
             <a:pPr lvl="4"/>
             <a:r>
-              <a:rPr lang="es-ES" smtClean="0"/>
+              <a:rPr lang="es-ES"/>
               <a:t>Quinto nivel</a:t>
             </a:r>
             <a:endParaRPr lang="en-US" dirty="0"/>
@@ -3258,7 +3264,7 @@
           <a:lstStyle/>
           <a:p>
             <a:r>
-              <a:rPr lang="es-ES" smtClean="0"/>
+              <a:rPr lang="es-ES"/>
               <a:t>Haga clic para modificar el estilo de título del patrón</a:t>
             </a:r>
             <a:endParaRPr lang="en-US" dirty="0"/>
@@ -3282,35 +3288,35 @@
           <a:p>
             <a:pPr lvl="0"/>
             <a:r>
-              <a:rPr lang="es-ES" smtClean="0"/>
+              <a:rPr lang="es-ES"/>
               <a:t>Editar el estilo de texto del patrón</a:t>
             </a:r>
           </a:p>
           <a:p>
             <a:pPr lvl="1"/>
             <a:r>
-              <a:rPr lang="es-ES" smtClean="0"/>
+              <a:rPr lang="es-ES"/>
               <a:t>Segundo nivel</a:t>
             </a:r>
           </a:p>
           <a:p>
             <a:pPr lvl="2"/>
             <a:r>
-              <a:rPr lang="es-ES" smtClean="0"/>
+              <a:rPr lang="es-ES"/>
               <a:t>Tercer nivel</a:t>
             </a:r>
           </a:p>
           <a:p>
             <a:pPr lvl="3"/>
             <a:r>
-              <a:rPr lang="es-ES" smtClean="0"/>
+              <a:rPr lang="es-ES"/>
               <a:t>Cuarto nivel</a:t>
             </a:r>
           </a:p>
           <a:p>
             <a:pPr lvl="4"/>
             <a:r>
-              <a:rPr lang="es-ES" smtClean="0"/>
+              <a:rPr lang="es-ES"/>
               <a:t>Quinto nivel</a:t>
             </a:r>
             <a:endParaRPr lang="en-US" dirty="0"/>
@@ -3432,7 +3438,7 @@
           </a:lstStyle>
           <a:p>
             <a:r>
-              <a:rPr lang="es-ES" smtClean="0"/>
+              <a:rPr lang="es-ES"/>
               <a:t>Haga clic para modificar el estilo de título del patrón</a:t>
             </a:r>
             <a:endParaRPr lang="en-US" dirty="0"/>
@@ -3553,7 +3559,7 @@
           <a:p>
             <a:pPr lvl="0"/>
             <a:r>
-              <a:rPr lang="es-ES" smtClean="0"/>
+              <a:rPr lang="es-ES"/>
               <a:t>Editar el estilo de texto del patrón</a:t>
             </a:r>
           </a:p>
@@ -3665,7 +3671,7 @@
           <a:lstStyle/>
           <a:p>
             <a:r>
-              <a:rPr lang="es-ES" smtClean="0"/>
+              <a:rPr lang="es-ES"/>
               <a:t>Haga clic para modificar el estilo de título del patrón</a:t>
             </a:r>
             <a:endParaRPr lang="en-US" dirty="0"/>
@@ -3724,35 +3730,35 @@
           <a:p>
             <a:pPr lvl="0"/>
             <a:r>
-              <a:rPr lang="es-ES" smtClean="0"/>
+              <a:rPr lang="es-ES"/>
               <a:t>Editar el estilo de texto del patrón</a:t>
             </a:r>
           </a:p>
           <a:p>
             <a:pPr lvl="1"/>
             <a:r>
-              <a:rPr lang="es-ES" smtClean="0"/>
+              <a:rPr lang="es-ES"/>
               <a:t>Segundo nivel</a:t>
             </a:r>
           </a:p>
           <a:p>
             <a:pPr lvl="2"/>
             <a:r>
-              <a:rPr lang="es-ES" smtClean="0"/>
+              <a:rPr lang="es-ES"/>
               <a:t>Tercer nivel</a:t>
             </a:r>
           </a:p>
           <a:p>
             <a:pPr lvl="3"/>
             <a:r>
-              <a:rPr lang="es-ES" smtClean="0"/>
+              <a:rPr lang="es-ES"/>
               <a:t>Cuarto nivel</a:t>
             </a:r>
           </a:p>
           <a:p>
             <a:pPr lvl="4"/>
             <a:r>
-              <a:rPr lang="es-ES" smtClean="0"/>
+              <a:rPr lang="es-ES"/>
               <a:t>Quinto nivel</a:t>
             </a:r>
             <a:endParaRPr lang="en-US" dirty="0"/>
@@ -3811,35 +3817,35 @@
           <a:p>
             <a:pPr lvl="0"/>
             <a:r>
-              <a:rPr lang="es-ES" smtClean="0"/>
+              <a:rPr lang="es-ES"/>
               <a:t>Editar el estilo de texto del patrón</a:t>
             </a:r>
           </a:p>
           <a:p>
             <a:pPr lvl="1"/>
             <a:r>
-              <a:rPr lang="es-ES" smtClean="0"/>
+              <a:rPr lang="es-ES"/>
               <a:t>Segundo nivel</a:t>
             </a:r>
           </a:p>
           <a:p>
             <a:pPr lvl="2"/>
             <a:r>
-              <a:rPr lang="es-ES" smtClean="0"/>
+              <a:rPr lang="es-ES"/>
               <a:t>Tercer nivel</a:t>
             </a:r>
           </a:p>
           <a:p>
             <a:pPr lvl="3"/>
             <a:r>
-              <a:rPr lang="es-ES" smtClean="0"/>
+              <a:rPr lang="es-ES"/>
               <a:t>Cuarto nivel</a:t>
             </a:r>
           </a:p>
           <a:p>
             <a:pPr lvl="4"/>
             <a:r>
-              <a:rPr lang="es-ES" smtClean="0"/>
+              <a:rPr lang="es-ES"/>
               <a:t>Quinto nivel</a:t>
             </a:r>
             <a:endParaRPr lang="en-US" dirty="0"/>
@@ -3956,7 +3962,7 @@
           </a:lstStyle>
           <a:p>
             <a:r>
-              <a:rPr lang="es-ES" smtClean="0"/>
+              <a:rPr lang="es-ES"/>
               <a:t>Haga clic para modificar el estilo de título del patrón</a:t>
             </a:r>
             <a:endParaRPr lang="en-US" dirty="0"/>
@@ -4031,7 +4037,7 @@
           <a:p>
             <a:pPr lvl="0"/>
             <a:r>
-              <a:rPr lang="es-ES" smtClean="0"/>
+              <a:rPr lang="es-ES"/>
               <a:t>Editar el estilo de texto del patrón</a:t>
             </a:r>
           </a:p>
@@ -4089,35 +4095,35 @@
           <a:p>
             <a:pPr lvl="0"/>
             <a:r>
-              <a:rPr lang="es-ES" smtClean="0"/>
+              <a:rPr lang="es-ES"/>
               <a:t>Editar el estilo de texto del patrón</a:t>
             </a:r>
           </a:p>
           <a:p>
             <a:pPr lvl="1"/>
             <a:r>
-              <a:rPr lang="es-ES" smtClean="0"/>
+              <a:rPr lang="es-ES"/>
               <a:t>Segundo nivel</a:t>
             </a:r>
           </a:p>
           <a:p>
             <a:pPr lvl="2"/>
             <a:r>
-              <a:rPr lang="es-ES" smtClean="0"/>
+              <a:rPr lang="es-ES"/>
               <a:t>Tercer nivel</a:t>
             </a:r>
           </a:p>
           <a:p>
             <a:pPr lvl="3"/>
             <a:r>
-              <a:rPr lang="es-ES" smtClean="0"/>
+              <a:rPr lang="es-ES"/>
               <a:t>Cuarto nivel</a:t>
             </a:r>
           </a:p>
           <a:p>
             <a:pPr lvl="4"/>
             <a:r>
-              <a:rPr lang="es-ES" smtClean="0"/>
+              <a:rPr lang="es-ES"/>
               <a:t>Quinto nivel</a:t>
             </a:r>
             <a:endParaRPr lang="en-US" dirty="0"/>
@@ -4192,7 +4198,7 @@
           <a:p>
             <a:pPr lvl="0"/>
             <a:r>
-              <a:rPr lang="es-ES" smtClean="0"/>
+              <a:rPr lang="es-ES"/>
               <a:t>Editar el estilo de texto del patrón</a:t>
             </a:r>
           </a:p>
@@ -4250,35 +4256,35 @@
           <a:p>
             <a:pPr lvl="0"/>
             <a:r>
-              <a:rPr lang="es-ES" smtClean="0"/>
+              <a:rPr lang="es-ES"/>
               <a:t>Editar el estilo de texto del patrón</a:t>
             </a:r>
           </a:p>
           <a:p>
             <a:pPr lvl="1"/>
             <a:r>
-              <a:rPr lang="es-ES" smtClean="0"/>
+              <a:rPr lang="es-ES"/>
               <a:t>Segundo nivel</a:t>
             </a:r>
           </a:p>
           <a:p>
             <a:pPr lvl="2"/>
             <a:r>
-              <a:rPr lang="es-ES" smtClean="0"/>
+              <a:rPr lang="es-ES"/>
               <a:t>Tercer nivel</a:t>
             </a:r>
           </a:p>
           <a:p>
             <a:pPr lvl="3"/>
             <a:r>
-              <a:rPr lang="es-ES" smtClean="0"/>
+              <a:rPr lang="es-ES"/>
               <a:t>Cuarto nivel</a:t>
             </a:r>
           </a:p>
           <a:p>
             <a:pPr lvl="4"/>
             <a:r>
-              <a:rPr lang="es-ES" smtClean="0"/>
+              <a:rPr lang="es-ES"/>
               <a:t>Quinto nivel</a:t>
             </a:r>
             <a:endParaRPr lang="en-US" dirty="0"/>
@@ -4391,7 +4397,7 @@
           <a:lstStyle/>
           <a:p>
             <a:r>
-              <a:rPr lang="es-ES" smtClean="0"/>
+              <a:rPr lang="es-ES"/>
               <a:t>Haga clic para modificar el estilo de título del patrón</a:t>
             </a:r>
             <a:endParaRPr lang="en-US" dirty="0"/>
@@ -4603,7 +4609,7 @@
           </a:lstStyle>
           <a:p>
             <a:r>
-              <a:rPr lang="es-ES" smtClean="0"/>
+              <a:rPr lang="es-ES"/>
               <a:t>Haga clic para modificar el estilo de título del patrón</a:t>
             </a:r>
             <a:endParaRPr lang="en-US" dirty="0"/>
@@ -4662,35 +4668,35 @@
           <a:p>
             <a:pPr lvl="0"/>
             <a:r>
-              <a:rPr lang="es-ES" smtClean="0"/>
+              <a:rPr lang="es-ES"/>
               <a:t>Editar el estilo de texto del patrón</a:t>
             </a:r>
           </a:p>
           <a:p>
             <a:pPr lvl="1"/>
             <a:r>
-              <a:rPr lang="es-ES" smtClean="0"/>
+              <a:rPr lang="es-ES"/>
               <a:t>Segundo nivel</a:t>
             </a:r>
           </a:p>
           <a:p>
             <a:pPr lvl="2"/>
             <a:r>
-              <a:rPr lang="es-ES" smtClean="0"/>
+              <a:rPr lang="es-ES"/>
               <a:t>Tercer nivel</a:t>
             </a:r>
           </a:p>
           <a:p>
             <a:pPr lvl="3"/>
             <a:r>
-              <a:rPr lang="es-ES" smtClean="0"/>
+              <a:rPr lang="es-ES"/>
               <a:t>Cuarto nivel</a:t>
             </a:r>
           </a:p>
           <a:p>
             <a:pPr lvl="4"/>
             <a:r>
-              <a:rPr lang="es-ES" smtClean="0"/>
+              <a:rPr lang="es-ES"/>
               <a:t>Quinto nivel</a:t>
             </a:r>
             <a:endParaRPr lang="en-US" dirty="0"/>
@@ -4756,7 +4762,7 @@
           <a:p>
             <a:pPr lvl="0"/>
             <a:r>
-              <a:rPr lang="es-ES" smtClean="0"/>
+              <a:rPr lang="es-ES"/>
               <a:t>Editar el estilo de texto del patrón</a:t>
             </a:r>
           </a:p>
@@ -4879,7 +4885,7 @@
           </a:lstStyle>
           <a:p>
             <a:r>
-              <a:rPr lang="es-ES" smtClean="0"/>
+              <a:rPr lang="es-ES"/>
               <a:t>Haga clic para modificar el estilo de título del patrón</a:t>
             </a:r>
             <a:endParaRPr lang="en-US" dirty="0"/>
@@ -4958,7 +4964,7 @@
           </a:lstStyle>
           <a:p>
             <a:r>
-              <a:rPr lang="es-ES" smtClean="0"/>
+              <a:rPr lang="es-ES"/>
               <a:t>Haga clic en el icono para agregar una imagen</a:t>
             </a:r>
             <a:endParaRPr lang="en-US" dirty="0"/>
@@ -5026,7 +5032,7 @@
           <a:p>
             <a:pPr lvl="0"/>
             <a:r>
-              <a:rPr lang="es-ES" smtClean="0"/>
+              <a:rPr lang="es-ES"/>
               <a:t>Editar el estilo de texto del patrón</a:t>
             </a:r>
           </a:p>
@@ -5368,7 +5374,7 @@
           <a:lstStyle/>
           <a:p>
             <a:r>
-              <a:rPr lang="es-ES" smtClean="0"/>
+              <a:rPr lang="es-ES"/>
               <a:t>Haga clic para modificar el estilo de título del patrón</a:t>
             </a:r>
             <a:endParaRPr lang="en-US" dirty="0"/>
@@ -5402,35 +5408,35 @@
           <a:p>
             <a:pPr lvl="0"/>
             <a:r>
-              <a:rPr lang="es-ES" smtClean="0"/>
+              <a:rPr lang="es-ES"/>
               <a:t>Editar el estilo de texto del patrón</a:t>
             </a:r>
           </a:p>
           <a:p>
             <a:pPr lvl="1"/>
             <a:r>
-              <a:rPr lang="es-ES" smtClean="0"/>
+              <a:rPr lang="es-ES"/>
               <a:t>Segundo nivel</a:t>
             </a:r>
           </a:p>
           <a:p>
             <a:pPr lvl="2"/>
             <a:r>
-              <a:rPr lang="es-ES" smtClean="0"/>
+              <a:rPr lang="es-ES"/>
               <a:t>Tercer nivel</a:t>
             </a:r>
           </a:p>
           <a:p>
             <a:pPr lvl="3"/>
             <a:r>
-              <a:rPr lang="es-ES" smtClean="0"/>
+              <a:rPr lang="es-ES"/>
               <a:t>Cuarto nivel</a:t>
             </a:r>
           </a:p>
           <a:p>
             <a:pPr lvl="4"/>
             <a:r>
-              <a:rPr lang="es-ES" smtClean="0"/>
+              <a:rPr lang="es-ES"/>
               <a:t>Quinto nivel</a:t>
             </a:r>
             <a:endParaRPr lang="en-US" dirty="0"/>
@@ -6013,10 +6019,9 @@
           <a:lstStyle/>
           <a:p>
             <a:r>
-              <a:rPr lang="es-MX" smtClean="0"/>
+              <a:rPr lang="es-MX"/>
               <a:t>GIT y GITHUB</a:t>
             </a:r>
-            <a:endParaRPr lang="es-MX"/>
           </a:p>
         </p:txBody>
       </p:sp>
@@ -6043,6 +6048,273 @@
     <p:extLst>
       <p:ext uri="{BB962C8B-B14F-4D97-AF65-F5344CB8AC3E}">
         <p14:creationId xmlns:p14="http://schemas.microsoft.com/office/powerpoint/2010/main" val="567984337"/>
+      </p:ext>
+    </p:extLst>
+  </p:cSld>
+  <p:clrMapOvr>
+    <a:masterClrMapping/>
+  </p:clrMapOvr>
+</p:sld>
+</file>
+
+<file path=ppt/slides/slide2.xml><?xml version="1.0" encoding="utf-8"?>
+<p:sld xmlns:a="http://schemas.openxmlformats.org/drawingml/2006/main" xmlns:r="http://schemas.openxmlformats.org/officeDocument/2006/relationships" xmlns:p="http://schemas.openxmlformats.org/presentationml/2006/main">
+  <p:cSld>
+    <p:bg>
+      <p:bgPr>
+        <a:blipFill rotWithShape="1">
+          <a:blip r:embed="rId2">
+            <a:duotone>
+              <a:schemeClr val="bg2">
+                <a:shade val="69000"/>
+                <a:hueMod val="108000"/>
+                <a:satMod val="164000"/>
+                <a:lumMod val="74000"/>
+              </a:schemeClr>
+              <a:schemeClr val="bg2">
+                <a:tint val="96000"/>
+                <a:hueMod val="88000"/>
+                <a:satMod val="140000"/>
+                <a:lumMod val="132000"/>
+              </a:schemeClr>
+            </a:duotone>
+          </a:blip>
+          <a:stretch/>
+        </a:blipFill>
+        <a:effectLst/>
+      </p:bgPr>
+    </p:bg>
+    <p:spTree>
+      <p:nvGrpSpPr>
+        <p:cNvPr id="1" name=""/>
+        <p:cNvGrpSpPr/>
+        <p:nvPr/>
+      </p:nvGrpSpPr>
+      <p:grpSpPr>
+        <a:xfrm>
+          <a:off x="0" y="0"/>
+          <a:ext cx="0" cy="0"/>
+          <a:chOff x="0" y="0"/>
+          <a:chExt cx="0" cy="0"/>
+        </a:xfrm>
+      </p:grpSpPr>
+      <p:sp>
+        <p:nvSpPr>
+          <p:cNvPr id="2" name="Título 1">
+            <a:extLst>
+              <a:ext uri="{FF2B5EF4-FFF2-40B4-BE49-F238E27FC236}">
+                <a16:creationId xmlns:a16="http://schemas.microsoft.com/office/drawing/2014/main" id="{93B2C0F1-0475-40F9-B390-D5F3A916E84A}"/>
+              </a:ext>
+            </a:extLst>
+          </p:cNvPr>
+          <p:cNvSpPr>
+            <a:spLocks noGrp="1"/>
+          </p:cNvSpPr>
+          <p:nvPr>
+            <p:ph type="title"/>
+          </p:nvPr>
+        </p:nvSpPr>
+        <p:spPr>
+          <a:xfrm>
+            <a:off x="650669" y="629266"/>
+            <a:ext cx="3330328" cy="1641986"/>
+          </a:xfrm>
+        </p:spPr>
+        <p:txBody>
+          <a:bodyPr>
+            <a:normAutofit/>
+          </a:bodyPr>
+          <a:lstStyle/>
+          <a:p>
+            <a:r>
+              <a:rPr lang="es-MX" dirty="0"/>
+              <a:t>Datos</a:t>
+            </a:r>
+          </a:p>
+        </p:txBody>
+      </p:sp>
+      <p:pic>
+        <p:nvPicPr>
+          <p:cNvPr id="1026" name="Picture 2">
+            <a:extLst>
+              <a:ext uri="{FF2B5EF4-FFF2-40B4-BE49-F238E27FC236}">
+                <a16:creationId xmlns:a16="http://schemas.microsoft.com/office/drawing/2014/main" id="{2BCE5078-FEBB-453E-A1D5-4C35129F9803}"/>
+              </a:ext>
+            </a:extLst>
+          </p:cNvPr>
+          <p:cNvPicPr>
+            <a:picLocks noChangeAspect="1" noChangeArrowheads="1"/>
+          </p:cNvPicPr>
+          <p:nvPr/>
+        </p:nvPicPr>
+        <p:blipFill rotWithShape="1">
+          <a:blip r:embed="rId3">
+            <a:extLst>
+              <a:ext uri="{28A0092B-C50C-407E-A947-70E740481C1C}">
+                <a14:useLocalDpi xmlns:a14="http://schemas.microsoft.com/office/drawing/2010/main" val="0"/>
+              </a:ext>
+            </a:extLst>
+          </a:blip>
+          <a:srcRect l="14486" r="12206"/>
+          <a:stretch/>
+        </p:blipFill>
+        <p:spPr bwMode="auto">
+          <a:xfrm>
+            <a:off x="4634680" y="10"/>
+            <a:ext cx="7560130" cy="6857990"/>
+          </a:xfrm>
+          <a:prstGeom prst="rect">
+            <a:avLst/>
+          </a:prstGeom>
+          <a:noFill/>
+          <a:extLst>
+            <a:ext uri="{909E8E84-426E-40DD-AFC4-6F175D3DCCD1}">
+              <a14:hiddenFill xmlns:a14="http://schemas.microsoft.com/office/drawing/2010/main">
+                <a:solidFill>
+                  <a:srgbClr val="FFFFFF"/>
+                </a:solidFill>
+              </a14:hiddenFill>
+            </a:ext>
+          </a:extLst>
+        </p:spPr>
+      </p:pic>
+      <p:sp>
+        <p:nvSpPr>
+          <p:cNvPr id="71" name="Rectangle 70">
+            <a:extLst>
+              <a:ext uri="{FF2B5EF4-FFF2-40B4-BE49-F238E27FC236}">
+                <a16:creationId xmlns:a16="http://schemas.microsoft.com/office/drawing/2014/main" id="{A26E2FAE-FA60-497B-B2CB-7702C6FF3A3F}"/>
+              </a:ext>
+              <a:ext uri="{C183D7F6-B498-43B3-948B-1728B52AA6E4}">
+                <adec:decorative xmlns:adec="http://schemas.microsoft.com/office/drawing/2017/decorative" val="1"/>
+              </a:ext>
+            </a:extLst>
+          </p:cNvPr>
+          <p:cNvSpPr>
+            <a:spLocks noGrp="1" noRot="1" noChangeAspect="1" noMove="1" noResize="1" noEditPoints="1" noAdjustHandles="1" noChangeArrowheads="1" noChangeShapeType="1" noTextEdit="1"/>
+          </p:cNvSpPr>
+          <p:nvPr>
+            <p:extLst>
+              <p:ext uri="{386F3935-93C4-4BCD-93E2-E3B085C9AB24}">
+                <p16:designElem xmlns:p16="http://schemas.microsoft.com/office/powerpoint/2015/main" val="1"/>
+              </p:ext>
+            </p:extLst>
+          </p:nvPr>
+        </p:nvSpPr>
+        <p:spPr>
+          <a:xfrm>
+            <a:off x="10437812" y="0"/>
+            <a:ext cx="685800" cy="1143000"/>
+          </a:xfrm>
+          <a:prstGeom prst="rect">
+            <a:avLst/>
+          </a:prstGeom>
+          <a:solidFill>
+            <a:schemeClr val="accent1"/>
+          </a:solidFill>
+          <a:ln>
+            <a:noFill/>
+          </a:ln>
+        </p:spPr>
+        <p:style>
+          <a:lnRef idx="1">
+            <a:schemeClr val="accent1"/>
+          </a:lnRef>
+          <a:fillRef idx="3">
+            <a:schemeClr val="accent1"/>
+          </a:fillRef>
+          <a:effectRef idx="2">
+            <a:schemeClr val="accent1"/>
+          </a:effectRef>
+          <a:fontRef idx="minor">
+            <a:schemeClr val="lt1"/>
+          </a:fontRef>
+        </p:style>
+      </p:sp>
+      <p:sp>
+        <p:nvSpPr>
+          <p:cNvPr id="3" name="Marcador de contenido 2">
+            <a:extLst>
+              <a:ext uri="{FF2B5EF4-FFF2-40B4-BE49-F238E27FC236}">
+                <a16:creationId xmlns:a16="http://schemas.microsoft.com/office/drawing/2014/main" id="{F845ADEB-5AF4-4E2C-B53E-EDA48B9F0C73}"/>
+              </a:ext>
+            </a:extLst>
+          </p:cNvPr>
+          <p:cNvSpPr>
+            <a:spLocks noGrp="1"/>
+          </p:cNvSpPr>
+          <p:nvPr>
+            <p:ph idx="1"/>
+          </p:nvPr>
+        </p:nvSpPr>
+        <p:spPr>
+          <a:xfrm>
+            <a:off x="650669" y="2438400"/>
+            <a:ext cx="3330328" cy="3809999"/>
+          </a:xfrm>
+        </p:spPr>
+        <p:txBody>
+          <a:bodyPr>
+            <a:normAutofit/>
+          </a:bodyPr>
+          <a:lstStyle/>
+          <a:p>
+            <a:r>
+              <a:rPr lang="es-MX" dirty="0"/>
+              <a:t>Juan Antonio  Garay </a:t>
+            </a:r>
+            <a:r>
+              <a:rPr lang="es-MX" dirty="0" err="1"/>
+              <a:t>Cordova</a:t>
+            </a:r>
+            <a:endParaRPr lang="es-MX" dirty="0"/>
+          </a:p>
+          <a:p>
+            <a:r>
+              <a:rPr lang="es-MX" dirty="0"/>
+              <a:t>Calle 3 #300 </a:t>
+            </a:r>
+            <a:r>
+              <a:rPr lang="es-MX" dirty="0" err="1"/>
+              <a:t>Jesus</a:t>
+            </a:r>
+            <a:r>
+              <a:rPr lang="es-MX" dirty="0"/>
+              <a:t> E. Piña y </a:t>
+            </a:r>
+            <a:r>
+              <a:rPr lang="es-MX" dirty="0" err="1"/>
+              <a:t>Simon</a:t>
+            </a:r>
+            <a:r>
+              <a:rPr lang="es-MX" dirty="0"/>
+              <a:t> Torres</a:t>
+            </a:r>
+          </a:p>
+          <a:p>
+            <a:r>
+              <a:rPr lang="es-MX" dirty="0"/>
+              <a:t>8343072612</a:t>
+            </a:r>
+          </a:p>
+          <a:p>
+            <a:r>
+              <a:rPr lang="es-MX" dirty="0">
+                <a:hlinkClick r:id="rId4"/>
+              </a:rPr>
+              <a:t>Garaycordova.jagc@gmail.com</a:t>
+            </a:r>
+            <a:endParaRPr lang="es-MX" dirty="0"/>
+          </a:p>
+          <a:p>
+            <a:endParaRPr lang="es-MX" dirty="0"/>
+          </a:p>
+        </p:txBody>
+      </p:sp>
+    </p:spTree>
+    <p:extLst>
+      <p:ext uri="{BB962C8B-B14F-4D97-AF65-F5344CB8AC3E}">
+        <p14:creationId xmlns:p14="http://schemas.microsoft.com/office/powerpoint/2010/main" val="2452601800"/>
       </p:ext>
     </p:extLst>
   </p:cSld>
